--- a/원본파일-다운-free-powerpoint-ppt-template-download-518.pptx
+++ b/원본파일-다운-free-powerpoint-ppt-template-download-518.pptx
@@ -14,9 +14,18 @@
   <p:notesSz cx="6858000" cy="9144000"/>
   <p:embeddedFontLst>
     <p:embeddedFont>
-      <p:font typeface="맑은 고딕" panose="020B0503020000020004" pitchFamily="50" charset="-127"/>
+      <p:font typeface="나눔바른고딕" panose="020B0603020101020101" pitchFamily="50" charset="-127"/>
       <p:regular r:id="rId6"/>
       <p:bold r:id="rId7"/>
+    </p:embeddedFont>
+    <p:embeddedFont>
+      <p:font typeface="나눔스퀘어라운드 ExtraBold" panose="020B0600000101010101" pitchFamily="50" charset="-127"/>
+      <p:bold r:id="rId8"/>
+    </p:embeddedFont>
+    <p:embeddedFont>
+      <p:font typeface="맑은 고딕" panose="020B0503020000020004" pitchFamily="50" charset="-127"/>
+      <p:regular r:id="rId9"/>
+      <p:bold r:id="rId10"/>
     </p:embeddedFont>
   </p:embeddedFontLst>
   <p:defaultTextStyle>
@@ -5091,8 +5100,8 @@
         </p:nvSpPr>
         <p:spPr>
           <a:xfrm>
-            <a:off x="2069326" y="1163578"/>
-            <a:ext cx="8053347" cy="4658519"/>
+            <a:off x="2069326" y="240469"/>
+            <a:ext cx="8053347" cy="4971746"/>
           </a:xfrm>
           <a:prstGeom prst="rect">
             <a:avLst/>
@@ -5114,6 +5123,8 @@
                 <a:solidFill>
                   <a:srgbClr val="F6A232"/>
                 </a:solidFill>
+                <a:latin typeface="나눔스퀘어라운드 ExtraBold" panose="020B0600000101010101" pitchFamily="50" charset="-127"/>
+                <a:ea typeface="나눔스퀘어라운드 ExtraBold" panose="020B0600000101010101" pitchFamily="50" charset="-127"/>
               </a:rPr>
               <a:t>GDSC SANGMYUNG HACKATHON</a:t>
             </a:r>
@@ -5121,6 +5132,8 @@
               <a:solidFill>
                 <a:srgbClr val="F6A232"/>
               </a:solidFill>
+              <a:latin typeface="나눔스퀘어라운드 ExtraBold" panose="020B0600000101010101" pitchFamily="50" charset="-127"/>
+              <a:ea typeface="나눔스퀘어라운드 ExtraBold" panose="020B0600000101010101" pitchFamily="50" charset="-127"/>
             </a:endParaRPr>
           </a:p>
           <a:p>
@@ -5144,6 +5157,8 @@
                 <a:lin ang="0" scaled="1"/>
                 <a:tileRect/>
               </a:gradFill>
+              <a:latin typeface="나눔스퀘어라운드 ExtraBold" panose="020B0600000101010101" pitchFamily="50" charset="-127"/>
+              <a:ea typeface="나눔스퀘어라운드 ExtraBold" panose="020B0600000101010101" pitchFamily="50" charset="-127"/>
             </a:endParaRPr>
           </a:p>
           <a:p>
@@ -5167,6 +5182,8 @@
                 <a:lin ang="0" scaled="1"/>
                 <a:tileRect/>
               </a:gradFill>
+              <a:latin typeface="나눔스퀘어라운드 ExtraBold" panose="020B0600000101010101" pitchFamily="50" charset="-127"/>
+              <a:ea typeface="나눔스퀘어라운드 ExtraBold" panose="020B0600000101010101" pitchFamily="50" charset="-127"/>
             </a:endParaRPr>
           </a:p>
           <a:p>
@@ -5190,6 +5207,8 @@
                 <a:lin ang="0" scaled="1"/>
                 <a:tileRect/>
               </a:gradFill>
+              <a:latin typeface="나눔스퀘어라운드 ExtraBold" panose="020B0600000101010101" pitchFamily="50" charset="-127"/>
+              <a:ea typeface="나눔스퀘어라운드 ExtraBold" panose="020B0600000101010101" pitchFamily="50" charset="-127"/>
             </a:endParaRPr>
           </a:p>
           <a:p>
@@ -5213,6 +5232,33 @@
                 <a:lin ang="0" scaled="1"/>
                 <a:tileRect/>
               </a:gradFill>
+              <a:latin typeface="나눔스퀘어라운드 ExtraBold" panose="020B0600000101010101" pitchFamily="50" charset="-127"/>
+              <a:ea typeface="나눔스퀘어라운드 ExtraBold" panose="020B0600000101010101" pitchFamily="50" charset="-127"/>
+            </a:endParaRPr>
+          </a:p>
+          <a:p>
+            <a:pPr algn="ctr">
+              <a:lnSpc>
+                <a:spcPct val="150000"/>
+              </a:lnSpc>
+            </a:pPr>
+            <a:endParaRPr lang="en-US" altLang="ko-KR" sz="1200" dirty="0">
+              <a:gradFill flip="none" rotWithShape="1">
+                <a:gsLst>
+                  <a:gs pos="50000">
+                    <a:prstClr val="white">
+                      <a:lumMod val="95000"/>
+                    </a:prstClr>
+                  </a:gs>
+                  <a:gs pos="50000">
+                    <a:srgbClr val="404257"/>
+                  </a:gs>
+                </a:gsLst>
+                <a:lin ang="0" scaled="1"/>
+                <a:tileRect/>
+              </a:gradFill>
+              <a:latin typeface="나눔스퀘어라운드 ExtraBold" panose="020B0600000101010101" pitchFamily="50" charset="-127"/>
+              <a:ea typeface="나눔스퀘어라운드 ExtraBold" panose="020B0600000101010101" pitchFamily="50" charset="-127"/>
             </a:endParaRPr>
           </a:p>
           <a:p>
@@ -5237,6 +5283,8 @@
                   <a:lin ang="0" scaled="1"/>
                   <a:tileRect/>
                 </a:gradFill>
+                <a:latin typeface="나눔스퀘어라운드 ExtraBold" panose="020B0600000101010101" pitchFamily="50" charset="-127"/>
+                <a:ea typeface="나눔스퀘어라운드 ExtraBold" panose="020B0600000101010101" pitchFamily="50" charset="-127"/>
               </a:rPr>
               <a:t>JACPOT</a:t>
             </a:r>
@@ -5255,6 +5303,8 @@
                 <a:lin ang="0" scaled="1"/>
                 <a:tileRect/>
               </a:gradFill>
+              <a:latin typeface="나눔스퀘어라운드 ExtraBold" panose="020B0600000101010101" pitchFamily="50" charset="-127"/>
+              <a:ea typeface="나눔스퀘어라운드 ExtraBold" panose="020B0600000101010101" pitchFamily="50" charset="-127"/>
             </a:endParaRPr>
           </a:p>
         </p:txBody>
@@ -5273,8 +5323,8 @@
         </p:nvSpPr>
         <p:spPr>
           <a:xfrm>
-            <a:off x="7796050" y="3991708"/>
-            <a:ext cx="5603428" cy="816249"/>
+            <a:off x="11741032" y="3429000"/>
+            <a:ext cx="2035927" cy="816249"/>
           </a:xfrm>
           <a:prstGeom prst="rect">
             <a:avLst/>
@@ -5301,6 +5351,153 @@
               </a:rPr>
               <a:t>POT</a:t>
             </a:r>
+          </a:p>
+        </p:txBody>
+      </p:sp>
+      <p:sp>
+        <p:nvSpPr>
+          <p:cNvPr id="2" name="TextBox 1">
+            <a:extLst>
+              <a:ext uri="{FF2B5EF4-FFF2-40B4-BE49-F238E27FC236}">
+                <a16:creationId xmlns:a16="http://schemas.microsoft.com/office/drawing/2014/main" id="{A71729F6-D768-AFA0-BDEE-40D4817C20F2}"/>
+              </a:ext>
+            </a:extLst>
+          </p:cNvPr>
+          <p:cNvSpPr txBox="1"/>
+          <p:nvPr/>
+        </p:nvSpPr>
+        <p:spPr>
+          <a:xfrm>
+            <a:off x="4380411" y="5614074"/>
+            <a:ext cx="3866606" cy="369332"/>
+          </a:xfrm>
+          <a:prstGeom prst="rect">
+            <a:avLst/>
+          </a:prstGeom>
+          <a:noFill/>
+        </p:spPr>
+        <p:txBody>
+          <a:bodyPr wrap="square" rtlCol="0">
+            <a:spAutoFit/>
+          </a:bodyPr>
+          <a:lstStyle/>
+          <a:p>
+            <a:r>
+              <a:rPr lang="ko-KR" altLang="en-US" dirty="0">
+                <a:solidFill>
+                  <a:schemeClr val="bg1"/>
+                </a:solidFill>
+                <a:latin typeface="나눔바른고딕" panose="020B0603020101020101" pitchFamily="50" charset="-127"/>
+                <a:ea typeface="나눔바른고딕" panose="020B0603020101020101" pitchFamily="50" charset="-127"/>
+              </a:rPr>
+              <a:t>최가나 손승현</a:t>
+            </a:r>
+            <a:r>
+              <a:rPr lang="en-US" altLang="ko-KR" dirty="0">
+                <a:latin typeface="나눔바른고딕" panose="020B0603020101020101" pitchFamily="50" charset="-127"/>
+                <a:ea typeface="나눔바른고딕" panose="020B0603020101020101" pitchFamily="50" charset="-127"/>
+              </a:rPr>
+              <a:t>	</a:t>
+            </a:r>
+            <a:r>
+              <a:rPr lang="ko-KR" altLang="en-US" dirty="0">
+                <a:latin typeface="나눔바른고딕" panose="020B0603020101020101" pitchFamily="50" charset="-127"/>
+                <a:ea typeface="나눔바른고딕" panose="020B0603020101020101" pitchFamily="50" charset="-127"/>
+              </a:rPr>
+              <a:t>김현재 </a:t>
+            </a:r>
+            <a:r>
+              <a:rPr lang="ko-KR" altLang="en-US" dirty="0" err="1">
+                <a:latin typeface="나눔바른고딕" panose="020B0603020101020101" pitchFamily="50" charset="-127"/>
+                <a:ea typeface="나눔바른고딕" panose="020B0603020101020101" pitchFamily="50" charset="-127"/>
+              </a:rPr>
+              <a:t>이현제</a:t>
+            </a:r>
+            <a:endParaRPr lang="ko-KR" altLang="en-US" dirty="0">
+              <a:latin typeface="나눔바른고딕" panose="020B0603020101020101" pitchFamily="50" charset="-127"/>
+              <a:ea typeface="나눔바른고딕" panose="020B0603020101020101" pitchFamily="50" charset="-127"/>
+            </a:endParaRPr>
+          </a:p>
+        </p:txBody>
+      </p:sp>
+      <p:sp>
+        <p:nvSpPr>
+          <p:cNvPr id="4" name="타원 3">
+            <a:extLst>
+              <a:ext uri="{FF2B5EF4-FFF2-40B4-BE49-F238E27FC236}">
+                <a16:creationId xmlns:a16="http://schemas.microsoft.com/office/drawing/2014/main" id="{0F1B8D15-DF90-80C1-CBB8-1DF149414AA2}"/>
+              </a:ext>
+            </a:extLst>
+          </p:cNvPr>
+          <p:cNvSpPr/>
+          <p:nvPr/>
+        </p:nvSpPr>
+        <p:spPr>
+          <a:xfrm>
+            <a:off x="2342606" y="2377440"/>
+            <a:ext cx="452845" cy="435429"/>
+          </a:xfrm>
+          <a:prstGeom prst="ellipse">
+            <a:avLst/>
+          </a:prstGeom>
+          <a:gradFill flip="none" rotWithShape="1">
+            <a:gsLst>
+              <a:gs pos="0">
+                <a:schemeClr val="accent1">
+                  <a:lumMod val="5000"/>
+                  <a:lumOff val="95000"/>
+                  <a:alpha val="80000"/>
+                </a:schemeClr>
+              </a:gs>
+              <a:gs pos="54000">
+                <a:schemeClr val="accent4">
+                  <a:lumMod val="40000"/>
+                  <a:lumOff val="60000"/>
+                </a:schemeClr>
+              </a:gs>
+              <a:gs pos="83000">
+                <a:schemeClr val="accent1">
+                  <a:lumMod val="45000"/>
+                  <a:lumOff val="55000"/>
+                </a:schemeClr>
+              </a:gs>
+              <a:gs pos="100000">
+                <a:schemeClr val="accent1">
+                  <a:lumMod val="30000"/>
+                  <a:lumOff val="70000"/>
+                  <a:alpha val="22000"/>
+                </a:schemeClr>
+              </a:gs>
+            </a:gsLst>
+            <a:lin ang="18900000" scaled="1"/>
+            <a:tileRect/>
+          </a:gradFill>
+          <a:ln>
+            <a:noFill/>
+          </a:ln>
+        </p:spPr>
+        <p:style>
+          <a:lnRef idx="2">
+            <a:schemeClr val="accent1">
+              <a:shade val="50000"/>
+            </a:schemeClr>
+          </a:lnRef>
+          <a:fillRef idx="1">
+            <a:schemeClr val="accent1"/>
+          </a:fillRef>
+          <a:effectRef idx="0">
+            <a:schemeClr val="accent1"/>
+          </a:effectRef>
+          <a:fontRef idx="minor">
+            <a:schemeClr val="lt1"/>
+          </a:fontRef>
+        </p:style>
+        <p:txBody>
+          <a:bodyPr rtlCol="0" anchor="ctr"/>
+          <a:lstStyle/>
+          <a:p>
+            <a:pPr algn="ctr"/>
+            <a:endParaRPr lang="ko-KR" altLang="en-US"/>
           </a:p>
         </p:txBody>
       </p:sp>
